--- a/seminar/Seminar20230613.pptx
+++ b/seminar/Seminar20230613.pptx
@@ -2907,7 +2907,7 @@
           <a:p>
             <a:r>
               <a:rPr lang="en-US" sz="1800" dirty="0"/>
-              <a:t>The SZ filter needs to be investigated further to solve the current issues.</a:t>
+              <a:t>The configuration of the SZ filter needs to be investigated further to solve the current issues.</a:t>
             </a:r>
           </a:p>
         </p:txBody>
@@ -5386,7 +5386,7 @@
             </a:r>
             <a:r>
               <a:rPr lang="en-US" sz="1800" dirty="0"/>
-              <a:t> at io/</a:t>
+              <a:t> function at io/</a:t>
             </a:r>
             <a:r>
               <a:rPr lang="en-US" sz="1800" dirty="0" err="1"/>
